--- a/KN1D.pptx
+++ b/KN1D.pptx
@@ -132,13 +132,37 @@
 <file path=ppt/revisionInfo.xml><?xml version="1.0" encoding="utf-8"?>
 <p1510:revInfo xmlns:a="http://schemas.openxmlformats.org/drawingml/2006/main" xmlns:r="http://schemas.openxmlformats.org/officeDocument/2006/relationships" xmlns:p1510="http://schemas.microsoft.com/office/powerpoint/2015/10/main">
   <p1510:revLst>
-    <p1510:client id="{847C6B38-34E9-4D6A-AE8D-695DD97BE4EA}" v="6" dt="2025-02-13T04:13:33.504"/>
+    <p1510:client id="{345C7596-5887-6653-7199-A691EAD3C149}" v="7" dt="2025-02-18T23:42:49.580"/>
   </p1510:revLst>
 </p1510:revInfo>
 </file>
 
 <file path=ppt/changesInfos/changesInfo1.xml><?xml version="1.0" encoding="utf-8"?>
 <pc:chgInfo xmlns:a="http://schemas.openxmlformats.org/drawingml/2006/main" xmlns:r="http://schemas.openxmlformats.org/officeDocument/2006/relationships" xmlns:ac="http://schemas.microsoft.com/office/drawing/2013/main/command" xmlns:pc="http://schemas.microsoft.com/office/powerpoint/2013/main/command">
+  <pc:docChgLst>
+    <pc:chgData name="Usuario invitado" userId="S::urn:spo:anon#0171ac351bb2d3938f6af53db92044f5076aa45910fe9e21dc15d3af2ce1e6b6::" providerId="AD" clId="Web-{345C7596-5887-6653-7199-A691EAD3C149}"/>
+    <pc:docChg chg="modSld">
+      <pc:chgData name="Usuario invitado" userId="S::urn:spo:anon#0171ac351bb2d3938f6af53db92044f5076aa45910fe9e21dc15d3af2ce1e6b6::" providerId="AD" clId="Web-{345C7596-5887-6653-7199-A691EAD3C149}" dt="2025-02-18T23:42:48.049" v="5" actId="20577"/>
+      <pc:docMkLst>
+        <pc:docMk/>
+      </pc:docMkLst>
+      <pc:sldChg chg="modSp">
+        <pc:chgData name="Usuario invitado" userId="S::urn:spo:anon#0171ac351bb2d3938f6af53db92044f5076aa45910fe9e21dc15d3af2ce1e6b6::" providerId="AD" clId="Web-{345C7596-5887-6653-7199-A691EAD3C149}" dt="2025-02-18T23:42:48.049" v="5" actId="20577"/>
+        <pc:sldMkLst>
+          <pc:docMk/>
+          <pc:sldMk cId="3647524403" sldId="301"/>
+        </pc:sldMkLst>
+        <pc:spChg chg="mod">
+          <ac:chgData name="Usuario invitado" userId="S::urn:spo:anon#0171ac351bb2d3938f6af53db92044f5076aa45910fe9e21dc15d3af2ce1e6b6::" providerId="AD" clId="Web-{345C7596-5887-6653-7199-A691EAD3C149}" dt="2025-02-18T23:42:48.049" v="5" actId="20577"/>
+          <ac:spMkLst>
+            <pc:docMk/>
+            <pc:sldMk cId="3647524403" sldId="301"/>
+            <ac:spMk id="9" creationId="{BC867B0B-8599-B1D1-DD49-6E454D1FE1A8}"/>
+          </ac:spMkLst>
+        </pc:spChg>
+      </pc:sldChg>
+    </pc:docChg>
+  </pc:docChgLst>
   <pc:docChgLst>
     <pc:chgData name="Carlo Becerra" userId="c87f682e-520a-47e5-ade0-e85aba8a7a27" providerId="ADAL" clId="{847C6B38-34E9-4D6A-AE8D-695DD97BE4EA}"/>
     <pc:docChg chg="undo custSel addSld delSld modSld sldOrd">
@@ -873,7 +897,7 @@
             </a:lvl1pPr>
           </a:lstStyle>
           <a:p>
-            <a:endParaRPr lang="es-ES" dirty="0"/>
+            <a:endParaRPr lang="es-ES"/>
           </a:p>
         </p:txBody>
       </p:sp>
@@ -906,9 +930,9 @@
           <a:p>
             <a:fld id="{F8E74E1C-1808-45B2-B75C-4D9001095507}" type="datetime1">
               <a:rPr lang="es-ES" smtClean="0"/>
-              <a:t>12/02/2025</a:t>
+              <a:t>18/02/2025</a:t>
             </a:fld>
-            <a:endParaRPr lang="es-ES" dirty="0"/>
+            <a:endParaRPr lang="es-ES"/>
           </a:p>
         </p:txBody>
       </p:sp>
@@ -939,7 +963,7 @@
             </a:lvl1pPr>
           </a:lstStyle>
           <a:p>
-            <a:endParaRPr lang="es-ES" dirty="0"/>
+            <a:endParaRPr lang="es-ES"/>
           </a:p>
         </p:txBody>
       </p:sp>
@@ -972,9 +996,9 @@
           <a:p>
             <a:fld id="{88418C9D-7709-4A95-8F43-BBF0364748ED}" type="slidenum">
               <a:rPr lang="es-ES" smtClean="0"/>
-              <a:t>‹Nº›</a:t>
+              <a:t>‹#›</a:t>
             </a:fld>
-            <a:endParaRPr lang="es-ES" dirty="0"/>
+            <a:endParaRPr lang="es-ES"/>
           </a:p>
         </p:txBody>
       </p:sp>
@@ -1039,7 +1063,7 @@
             </a:lvl1pPr>
           </a:lstStyle>
           <a:p>
-            <a:endParaRPr lang="es-ES" noProof="0" dirty="0"/>
+            <a:endParaRPr lang="es-ES" noProof="0"/>
           </a:p>
         </p:txBody>
       </p:sp>
@@ -1072,9 +1096,9 @@
           <a:p>
             <a:fld id="{44DDD639-B493-4C6F-8888-3252BB671C65}" type="datetime1">
               <a:rPr lang="es-ES" noProof="0" smtClean="0"/>
-              <a:t>12/02/2025</a:t>
+              <a:t>18/02/2025</a:t>
             </a:fld>
-            <a:endParaRPr lang="es-ES" noProof="0" dirty="0"/>
+            <a:endParaRPr lang="es-ES" noProof="0"/>
           </a:p>
         </p:txBody>
       </p:sp>
@@ -1107,7 +1131,7 @@
           <a:bodyPr vert="horz" lIns="91440" tIns="45720" rIns="91440" bIns="45720" rtlCol="0" anchor="ctr"/>
           <a:lstStyle/>
           <a:p>
-            <a:endParaRPr lang="es-ES" noProof="0" dirty="0"/>
+            <a:endParaRPr lang="es-ES" noProof="0"/>
           </a:p>
         </p:txBody>
       </p:sp>
@@ -1136,35 +1160,35 @@
           <a:p>
             <a:pPr lvl="0" rtl="0"/>
             <a:r>
-              <a:rPr lang="es-ES" noProof="0" dirty="0"/>
+              <a:rPr lang="es-ES" noProof="0"/>
               <a:t>Haga clic para modificar los estilos de texto del patrón</a:t>
             </a:r>
           </a:p>
           <a:p>
             <a:pPr lvl="1"/>
             <a:r>
-              <a:rPr lang="es-ES" noProof="0" dirty="0"/>
+              <a:rPr lang="es-ES" noProof="0"/>
               <a:t>Segundo nivel</a:t>
             </a:r>
           </a:p>
           <a:p>
             <a:pPr lvl="2"/>
             <a:r>
-              <a:rPr lang="es-ES" noProof="0" dirty="0"/>
+              <a:rPr lang="es-ES" noProof="0"/>
               <a:t>Tercer nivel</a:t>
             </a:r>
           </a:p>
           <a:p>
             <a:pPr lvl="3"/>
             <a:r>
-              <a:rPr lang="es-ES" noProof="0" dirty="0"/>
+              <a:rPr lang="es-ES" noProof="0"/>
               <a:t>Cuarto nivel</a:t>
             </a:r>
           </a:p>
           <a:p>
             <a:pPr lvl="4"/>
             <a:r>
-              <a:rPr lang="es-ES" noProof="0" dirty="0"/>
+              <a:rPr lang="es-ES" noProof="0"/>
               <a:t>Quinto nivel</a:t>
             </a:r>
           </a:p>
@@ -1197,7 +1221,7 @@
             </a:lvl1pPr>
           </a:lstStyle>
           <a:p>
-            <a:endParaRPr lang="es-ES" noProof="0" dirty="0"/>
+            <a:endParaRPr lang="es-ES" noProof="0"/>
           </a:p>
         </p:txBody>
       </p:sp>
@@ -1230,9 +1254,9 @@
           <a:p>
             <a:fld id="{D30909E6-4FD5-449B-938E-8FE1DD2E6C2B}" type="slidenum">
               <a:rPr lang="es-ES" noProof="0" smtClean="0"/>
-              <a:t>‹Nº›</a:t>
+              <a:t>‹#›</a:t>
             </a:fld>
-            <a:endParaRPr lang="es-ES" noProof="0" dirty="0"/>
+            <a:endParaRPr lang="es-ES" noProof="0"/>
           </a:p>
         </p:txBody>
       </p:sp>
@@ -1384,7 +1408,7 @@
           <a:bodyPr/>
           <a:lstStyle/>
           <a:p>
-            <a:endParaRPr lang="es-ES" dirty="0"/>
+            <a:endParaRPr lang="es-ES"/>
           </a:p>
         </p:txBody>
       </p:sp>
@@ -1407,7 +1431,7 @@
               <a:rPr lang="es-ES" smtClean="0"/>
               <a:t>1</a:t>
             </a:fld>
-            <a:endParaRPr lang="es-ES" dirty="0"/>
+            <a:endParaRPr lang="es-ES"/>
           </a:p>
         </p:txBody>
       </p:sp>
@@ -1526,7 +1550,6 @@
               <a:rPr lang="es-ES" noProof="0"/>
               <a:t>Haga clic para modificar el estilo de título del patrón</a:t>
             </a:r>
-            <a:endParaRPr lang="es-ES" noProof="0" dirty="0"/>
           </a:p>
         </p:txBody>
       </p:sp>
@@ -1599,7 +1622,6 @@
               <a:rPr lang="es-ES" noProof="0"/>
               <a:t>Haga clic para modificar el estilo de subtítulo del patrón</a:t>
             </a:r>
-            <a:endParaRPr lang="es-ES" noProof="0" dirty="0"/>
           </a:p>
         </p:txBody>
       </p:sp>
@@ -1671,9 +1693,9 @@
             <a:pPr rtl="0"/>
             <a:fld id="{E8BC9D2E-4262-4D66-B695-BE788D84072B}" type="datetime1">
               <a:rPr lang="es-ES" noProof="0" smtClean="0"/>
-              <a:t>12/02/2025</a:t>
+              <a:t>18/02/2025</a:t>
             </a:fld>
-            <a:endParaRPr lang="es-ES" noProof="0" dirty="0"/>
+            <a:endParaRPr lang="es-ES" noProof="0"/>
           </a:p>
         </p:txBody>
       </p:sp>
@@ -1699,7 +1721,7 @@
           <a:lstStyle/>
           <a:p>
             <a:pPr rtl="0"/>
-            <a:endParaRPr lang="es-ES" noProof="0" dirty="0"/>
+            <a:endParaRPr lang="es-ES" noProof="0"/>
           </a:p>
         </p:txBody>
       </p:sp>
@@ -1727,9 +1749,9 @@
             <a:pPr rtl="0"/>
             <a:fld id="{3A98EE3D-8CD1-4C3F-BD1C-C98C9596463C}" type="slidenum">
               <a:rPr lang="es-ES" noProof="0" smtClean="0"/>
-              <a:t>‹Nº›</a:t>
+              <a:t>‹#›</a:t>
             </a:fld>
-            <a:endParaRPr lang="es-ES" noProof="0" dirty="0"/>
+            <a:endParaRPr lang="es-ES" noProof="0"/>
           </a:p>
         </p:txBody>
       </p:sp>
@@ -1783,7 +1805,6 @@
               <a:rPr lang="es-ES" noProof="0"/>
               <a:t>Haga clic para modificar el estilo de título del patrón</a:t>
             </a:r>
-            <a:endParaRPr lang="es-ES" noProof="0" dirty="0"/>
           </a:p>
         </p:txBody>
       </p:sp>
@@ -1835,7 +1856,6 @@
               <a:rPr lang="es-ES" noProof="0"/>
               <a:t>Quinto nivel</a:t>
             </a:r>
-            <a:endParaRPr lang="es-ES" noProof="0" dirty="0"/>
           </a:p>
         </p:txBody>
       </p:sp>
@@ -1863,9 +1883,9 @@
             <a:pPr rtl="0"/>
             <a:fld id="{BB17B069-C176-49CE-B015-141C4094D82C}" type="datetime1">
               <a:rPr lang="es-ES" noProof="0" smtClean="0"/>
-              <a:t>12/02/2025</a:t>
+              <a:t>18/02/2025</a:t>
             </a:fld>
-            <a:endParaRPr lang="es-ES" noProof="0" dirty="0"/>
+            <a:endParaRPr lang="es-ES" noProof="0"/>
           </a:p>
         </p:txBody>
       </p:sp>
@@ -1891,7 +1911,7 @@
           <a:lstStyle/>
           <a:p>
             <a:pPr rtl="0"/>
-            <a:endParaRPr lang="es-ES" noProof="0" dirty="0"/>
+            <a:endParaRPr lang="es-ES" noProof="0"/>
           </a:p>
         </p:txBody>
       </p:sp>
@@ -1919,9 +1939,9 @@
             <a:pPr rtl="0"/>
             <a:fld id="{3A98EE3D-8CD1-4C3F-BD1C-C98C9596463C}" type="slidenum">
               <a:rPr lang="es-ES" noProof="0" smtClean="0"/>
-              <a:t>‹Nº›</a:t>
+              <a:t>‹#›</a:t>
             </a:fld>
-            <a:endParaRPr lang="es-ES" noProof="0" dirty="0"/>
+            <a:endParaRPr lang="es-ES" noProof="0"/>
           </a:p>
         </p:txBody>
       </p:sp>
@@ -2048,7 +2068,6 @@
               <a:rPr lang="es-ES" noProof="0"/>
               <a:t>Haga clic para modificar el estilo de título del patrón</a:t>
             </a:r>
-            <a:endParaRPr lang="es-ES" noProof="0" dirty="0"/>
           </a:p>
         </p:txBody>
       </p:sp>
@@ -2240,9 +2259,9 @@
             <a:pPr rtl="0"/>
             <a:fld id="{185FED23-3BF1-4A68-B660-492C651EE795}" type="datetime1">
               <a:rPr lang="es-ES" noProof="0" smtClean="0"/>
-              <a:t>12/02/2025</a:t>
+              <a:t>18/02/2025</a:t>
             </a:fld>
-            <a:endParaRPr lang="es-ES" noProof="0" dirty="0"/>
+            <a:endParaRPr lang="es-ES" noProof="0"/>
           </a:p>
         </p:txBody>
       </p:sp>
@@ -2268,7 +2287,7 @@
           <a:lstStyle/>
           <a:p>
             <a:pPr rtl="0"/>
-            <a:endParaRPr lang="es-ES" noProof="0" dirty="0"/>
+            <a:endParaRPr lang="es-ES" noProof="0"/>
           </a:p>
         </p:txBody>
       </p:sp>
@@ -2296,9 +2315,9 @@
             <a:pPr rtl="0"/>
             <a:fld id="{3A98EE3D-8CD1-4C3F-BD1C-C98C9596463C}" type="slidenum">
               <a:rPr lang="es-ES" noProof="0" smtClean="0"/>
-              <a:t>‹Nº›</a:t>
+              <a:t>‹#›</a:t>
             </a:fld>
-            <a:endParaRPr lang="es-ES" noProof="0" dirty="0"/>
+            <a:endParaRPr lang="es-ES" noProof="0"/>
           </a:p>
         </p:txBody>
       </p:sp>
@@ -2357,7 +2376,6 @@
               <a:rPr lang="es-ES" noProof="0"/>
               <a:t>Haga clic para modificar el estilo de título del patrón</a:t>
             </a:r>
-            <a:endParaRPr lang="es-ES" noProof="0" dirty="0"/>
           </a:p>
         </p:txBody>
       </p:sp>
@@ -2414,7 +2432,6 @@
               <a:rPr lang="es-ES" noProof="0"/>
               <a:t>Quinto nivel</a:t>
             </a:r>
-            <a:endParaRPr lang="es-ES" noProof="0" dirty="0"/>
           </a:p>
         </p:txBody>
       </p:sp>
@@ -2471,7 +2488,6 @@
               <a:rPr lang="es-ES" noProof="0"/>
               <a:t>Quinto nivel</a:t>
             </a:r>
-            <a:endParaRPr lang="es-ES" noProof="0" dirty="0"/>
           </a:p>
         </p:txBody>
       </p:sp>
@@ -2499,9 +2515,9 @@
             <a:pPr rtl="0"/>
             <a:fld id="{65C27429-2C82-4C57-B7CC-62FE9723E4EF}" type="datetime1">
               <a:rPr lang="es-ES" noProof="0" smtClean="0"/>
-              <a:t>12/02/2025</a:t>
+              <a:t>18/02/2025</a:t>
             </a:fld>
-            <a:endParaRPr lang="es-ES" noProof="0" dirty="0"/>
+            <a:endParaRPr lang="es-ES" noProof="0"/>
           </a:p>
         </p:txBody>
       </p:sp>
@@ -2527,7 +2543,7 @@
           <a:lstStyle/>
           <a:p>
             <a:pPr rtl="0"/>
-            <a:endParaRPr lang="es-ES" noProof="0" dirty="0"/>
+            <a:endParaRPr lang="es-ES" noProof="0"/>
           </a:p>
         </p:txBody>
       </p:sp>
@@ -2555,9 +2571,9 @@
             <a:pPr rtl="0"/>
             <a:fld id="{3A98EE3D-8CD1-4C3F-BD1C-C98C9596463C}" type="slidenum">
               <a:rPr lang="es-ES" noProof="0" smtClean="0"/>
-              <a:t>‹Nº›</a:t>
+              <a:t>‹#›</a:t>
             </a:fld>
-            <a:endParaRPr lang="es-ES" noProof="0" dirty="0"/>
+            <a:endParaRPr lang="es-ES" noProof="0"/>
           </a:p>
         </p:txBody>
       </p:sp>
@@ -2616,7 +2632,6 @@
               <a:rPr lang="es-ES" noProof="0"/>
               <a:t>Haga clic para modificar el estilo de título del patrón</a:t>
             </a:r>
-            <a:endParaRPr lang="es-ES" noProof="0" dirty="0"/>
           </a:p>
         </p:txBody>
       </p:sp>
@@ -2744,7 +2759,6 @@
               <a:rPr lang="es-ES" noProof="0"/>
               <a:t>Quinto nivel</a:t>
             </a:r>
-            <a:endParaRPr lang="es-ES" noProof="0" dirty="0"/>
           </a:p>
         </p:txBody>
       </p:sp>
@@ -2872,7 +2886,6 @@
               <a:rPr lang="es-ES" noProof="0"/>
               <a:t>Quinto nivel</a:t>
             </a:r>
-            <a:endParaRPr lang="es-ES" noProof="0" dirty="0"/>
           </a:p>
         </p:txBody>
       </p:sp>
@@ -2900,9 +2913,9 @@
             <a:pPr rtl="0"/>
             <a:fld id="{1C49BD86-8774-44D6-B764-617249AD43F8}" type="datetime1">
               <a:rPr lang="es-ES" noProof="0" smtClean="0"/>
-              <a:t>12/02/2025</a:t>
+              <a:t>18/02/2025</a:t>
             </a:fld>
-            <a:endParaRPr lang="es-ES" noProof="0" dirty="0"/>
+            <a:endParaRPr lang="es-ES" noProof="0"/>
           </a:p>
         </p:txBody>
       </p:sp>
@@ -2928,7 +2941,7 @@
           <a:lstStyle/>
           <a:p>
             <a:pPr rtl="0"/>
-            <a:endParaRPr lang="es-ES" noProof="0" dirty="0"/>
+            <a:endParaRPr lang="es-ES" noProof="0"/>
           </a:p>
         </p:txBody>
       </p:sp>
@@ -2956,9 +2969,9 @@
             <a:pPr rtl="0"/>
             <a:fld id="{3A98EE3D-8CD1-4C3F-BD1C-C98C9596463C}" type="slidenum">
               <a:rPr lang="es-ES" noProof="0" smtClean="0"/>
-              <a:t>‹Nº›</a:t>
+              <a:t>‹#›</a:t>
             </a:fld>
-            <a:endParaRPr lang="es-ES" noProof="0" dirty="0"/>
+            <a:endParaRPr lang="es-ES" noProof="0"/>
           </a:p>
         </p:txBody>
       </p:sp>
@@ -3012,7 +3025,6 @@
               <a:rPr lang="es-ES" noProof="0"/>
               <a:t>Haga clic para modificar el estilo de título del patrón</a:t>
             </a:r>
-            <a:endParaRPr lang="es-ES" noProof="0" dirty="0"/>
           </a:p>
         </p:txBody>
       </p:sp>
@@ -3040,9 +3052,9 @@
             <a:pPr rtl="0"/>
             <a:fld id="{FAB9C095-47B6-40E6-B8B1-485026BAA979}" type="datetime1">
               <a:rPr lang="es-ES" noProof="0" smtClean="0"/>
-              <a:t>12/02/2025</a:t>
+              <a:t>18/02/2025</a:t>
             </a:fld>
-            <a:endParaRPr lang="es-ES" noProof="0" dirty="0"/>
+            <a:endParaRPr lang="es-ES" noProof="0"/>
           </a:p>
         </p:txBody>
       </p:sp>
@@ -3068,7 +3080,7 @@
           <a:lstStyle/>
           <a:p>
             <a:pPr rtl="0"/>
-            <a:endParaRPr lang="es-ES" noProof="0" dirty="0"/>
+            <a:endParaRPr lang="es-ES" noProof="0"/>
           </a:p>
         </p:txBody>
       </p:sp>
@@ -3096,9 +3108,9 @@
             <a:pPr rtl="0"/>
             <a:fld id="{3A98EE3D-8CD1-4C3F-BD1C-C98C9596463C}" type="slidenum">
               <a:rPr lang="es-ES" noProof="0" smtClean="0"/>
-              <a:t>‹Nº›</a:t>
+              <a:t>‹#›</a:t>
             </a:fld>
-            <a:endParaRPr lang="es-ES" noProof="0" dirty="0"/>
+            <a:endParaRPr lang="es-ES" noProof="0"/>
           </a:p>
         </p:txBody>
       </p:sp>
@@ -3200,9 +3212,9 @@
             <a:pPr rtl="0"/>
             <a:fld id="{CE90C87F-AA4E-4F2C-9C29-897EAC3BF71A}" type="datetime1">
               <a:rPr lang="es-ES" noProof="0" smtClean="0"/>
-              <a:t>12/02/2025</a:t>
+              <a:t>18/02/2025</a:t>
             </a:fld>
-            <a:endParaRPr lang="es-ES" noProof="0" dirty="0"/>
+            <a:endParaRPr lang="es-ES" noProof="0"/>
           </a:p>
         </p:txBody>
       </p:sp>
@@ -3228,7 +3240,7 @@
           <a:lstStyle/>
           <a:p>
             <a:pPr rtl="0"/>
-            <a:endParaRPr lang="es-ES" noProof="0" dirty="0"/>
+            <a:endParaRPr lang="es-ES" noProof="0"/>
           </a:p>
         </p:txBody>
       </p:sp>
@@ -3256,9 +3268,9 @@
             <a:pPr rtl="0"/>
             <a:fld id="{3A98EE3D-8CD1-4C3F-BD1C-C98C9596463C}" type="slidenum">
               <a:rPr lang="es-ES" noProof="0" smtClean="0"/>
-              <a:t>‹Nº›</a:t>
+              <a:t>‹#›</a:t>
             </a:fld>
-            <a:endParaRPr lang="es-ES" noProof="0" dirty="0"/>
+            <a:endParaRPr lang="es-ES" noProof="0"/>
           </a:p>
         </p:txBody>
       </p:sp>
@@ -3374,7 +3386,6 @@
               <a:rPr lang="es-ES" noProof="0"/>
               <a:t>Haga clic para modificar el estilo de título del patrón</a:t>
             </a:r>
-            <a:endParaRPr lang="es-ES" noProof="0" dirty="0"/>
           </a:p>
         </p:txBody>
       </p:sp>
@@ -3431,7 +3442,6 @@
               <a:rPr lang="es-ES" noProof="0"/>
               <a:t>Quinto nivel</a:t>
             </a:r>
-            <a:endParaRPr lang="es-ES" noProof="0" dirty="0"/>
           </a:p>
         </p:txBody>
       </p:sp>
@@ -3500,7 +3510,7 @@
           <a:p>
             <a:pPr lvl="0" rtl="0"/>
             <a:r>
-              <a:rPr lang="es-ES" noProof="0" dirty="0"/>
+              <a:rPr lang="es-ES" noProof="0"/>
               <a:t>Haga clic para modificar los estilos de texto del patrón</a:t>
             </a:r>
           </a:p>
@@ -3533,9 +3543,9 @@
             <a:pPr rtl="0"/>
             <a:fld id="{18398048-5A25-40D5-B468-A26206AE4AA8}" type="datetime1">
               <a:rPr lang="es-ES" noProof="0" smtClean="0"/>
-              <a:t>12/02/2025</a:t>
+              <a:t>18/02/2025</a:t>
             </a:fld>
-            <a:endParaRPr lang="es-ES" noProof="0" dirty="0"/>
+            <a:endParaRPr lang="es-ES" noProof="0"/>
           </a:p>
         </p:txBody>
       </p:sp>
@@ -3568,7 +3578,7 @@
           </a:lstStyle>
           <a:p>
             <a:pPr rtl="0"/>
-            <a:endParaRPr lang="es-ES" noProof="0" dirty="0"/>
+            <a:endParaRPr lang="es-ES" noProof="0"/>
           </a:p>
         </p:txBody>
       </p:sp>
@@ -3599,9 +3609,9 @@
             <a:fld id="{3A98EE3D-8CD1-4C3F-BD1C-C98C9596463C}" type="slidenum">
               <a:rPr lang="es-ES" noProof="0" smtClean="0"/>
               <a:pPr rtl="0"/>
-              <a:t>‹Nº›</a:t>
+              <a:t>‹#›</a:t>
             </a:fld>
-            <a:endParaRPr lang="es-ES" noProof="0" dirty="0"/>
+            <a:endParaRPr lang="es-ES" noProof="0"/>
           </a:p>
         </p:txBody>
       </p:sp>
@@ -3746,7 +3756,6 @@
               <a:rPr lang="es-ES" noProof="0"/>
               <a:t>Haga clic en el icono para agregar una imagen</a:t>
             </a:r>
-            <a:endParaRPr lang="es-ES" noProof="0" dirty="0"/>
           </a:p>
         </p:txBody>
       </p:sp>
@@ -3785,7 +3794,6 @@
               <a:rPr lang="es-ES" noProof="0"/>
               <a:t>Haga clic para modificar el estilo de título del patrón</a:t>
             </a:r>
-            <a:endParaRPr lang="es-ES" noProof="0" dirty="0"/>
           </a:p>
         </p:txBody>
       </p:sp>
@@ -3888,9 +3896,9 @@
             <a:pPr rtl="0"/>
             <a:fld id="{99645712-319F-4E90-BCEB-D987D92F516A}" type="datetime1">
               <a:rPr lang="es-ES" noProof="0" smtClean="0"/>
-              <a:t>12/02/2025</a:t>
+              <a:t>18/02/2025</a:t>
             </a:fld>
-            <a:endParaRPr lang="es-ES" noProof="0" dirty="0"/>
+            <a:endParaRPr lang="es-ES" noProof="0"/>
           </a:p>
         </p:txBody>
       </p:sp>
@@ -3915,7 +3923,7 @@
           <a:lstStyle/>
           <a:p>
             <a:pPr algn="l" rtl="0"/>
-            <a:endParaRPr lang="es-ES" noProof="0" dirty="0"/>
+            <a:endParaRPr lang="es-ES" noProof="0"/>
           </a:p>
         </p:txBody>
       </p:sp>
@@ -3937,9 +3945,9 @@
             <a:pPr rtl="0"/>
             <a:fld id="{3A98EE3D-8CD1-4C3F-BD1C-C98C9596463C}" type="slidenum">
               <a:rPr lang="es-ES" noProof="0" smtClean="0"/>
-              <a:t>‹Nº›</a:t>
+              <a:t>‹#›</a:t>
             </a:fld>
-            <a:endParaRPr lang="es-ES" noProof="0" dirty="0"/>
+            <a:endParaRPr lang="es-ES" noProof="0"/>
           </a:p>
         </p:txBody>
       </p:sp>
@@ -4049,7 +4057,7 @@
           <a:p>
             <a:pPr rtl="0"/>
             <a:r>
-              <a:rPr lang="es-ES" noProof="0" dirty="0"/>
+              <a:rPr lang="es-ES" noProof="0"/>
               <a:t>Haga clic para modificar el estilo de título del patrón</a:t>
             </a:r>
           </a:p>
@@ -4082,35 +4090,35 @@
           <a:p>
             <a:pPr lvl="0" rtl="0"/>
             <a:r>
-              <a:rPr lang="es-ES" noProof="0" dirty="0"/>
+              <a:rPr lang="es-ES" noProof="0"/>
               <a:t>Haga clic para modificar los estilos de texto del patrón</a:t>
             </a:r>
           </a:p>
           <a:p>
             <a:pPr lvl="1" rtl="0"/>
             <a:r>
-              <a:rPr lang="es-ES" noProof="0" dirty="0"/>
+              <a:rPr lang="es-ES" noProof="0"/>
               <a:t>Segundo nivel</a:t>
             </a:r>
           </a:p>
           <a:p>
             <a:pPr lvl="2" rtl="0"/>
             <a:r>
-              <a:rPr lang="es-ES" noProof="0" dirty="0"/>
+              <a:rPr lang="es-ES" noProof="0"/>
               <a:t>Tercer nivel</a:t>
             </a:r>
           </a:p>
           <a:p>
             <a:pPr lvl="3" rtl="0"/>
             <a:r>
-              <a:rPr lang="es-ES" noProof="0" dirty="0"/>
+              <a:rPr lang="es-ES" noProof="0"/>
               <a:t>Cuarto nivel</a:t>
             </a:r>
           </a:p>
           <a:p>
             <a:pPr lvl="4" rtl="0"/>
             <a:r>
-              <a:rPr lang="es-ES" noProof="0" dirty="0"/>
+              <a:rPr lang="es-ES" noProof="0"/>
               <a:t>Quinto nivel</a:t>
             </a:r>
           </a:p>
@@ -4150,9 +4158,9 @@
             <a:pPr rtl="0"/>
             <a:fld id="{D1FE31BA-0339-46EE-ACF7-DCEDA255DE2F}" type="datetime1">
               <a:rPr lang="es-ES" noProof="0" smtClean="0"/>
-              <a:t>12/02/2025</a:t>
+              <a:t>18/02/2025</a:t>
             </a:fld>
-            <a:endParaRPr lang="es-ES" noProof="0" dirty="0"/>
+            <a:endParaRPr lang="es-ES" noProof="0"/>
           </a:p>
         </p:txBody>
       </p:sp>
@@ -4188,7 +4196,7 @@
           </a:lstStyle>
           <a:p>
             <a:pPr rtl="0"/>
-            <a:endParaRPr lang="es-ES" noProof="0" dirty="0"/>
+            <a:endParaRPr lang="es-ES" noProof="0"/>
           </a:p>
         </p:txBody>
       </p:sp>
@@ -4226,9 +4234,9 @@
             <a:pPr rtl="0"/>
             <a:fld id="{3A98EE3D-8CD1-4C3F-BD1C-C98C9596463C}" type="slidenum">
               <a:rPr lang="es-ES" noProof="0" smtClean="0"/>
-              <a:t>‹Nº›</a:t>
+              <a:t>‹#›</a:t>
             </a:fld>
-            <a:endParaRPr lang="es-ES" noProof="0" dirty="0"/>
+            <a:endParaRPr lang="es-ES" noProof="0"/>
           </a:p>
         </p:txBody>
       </p:sp>
@@ -4756,7 +4764,7 @@
               <a:tabLst/>
               <a:defRPr/>
             </a:pPr>
-            <a:endParaRPr kumimoji="0" lang="es-ES" sz="1800" b="0" i="0" u="none" strike="noStrike" kern="1200" cap="none" spc="0" normalizeH="0" baseline="0" dirty="0">
+            <a:endParaRPr kumimoji="0" lang="es-ES" sz="1800" b="0" i="0" u="none" strike="noStrike" kern="1200" cap="none" spc="0" normalizeH="0" baseline="0">
               <a:ln>
                 <a:noFill/>
               </a:ln>
@@ -4885,7 +4893,7 @@
               <a:tabLst/>
               <a:defRPr/>
             </a:pPr>
-            <a:endParaRPr kumimoji="0" lang="es-ES" sz="1800" b="0" i="0" u="none" strike="noStrike" kern="1200" cap="none" spc="0" normalizeH="0" baseline="0" dirty="0">
+            <a:endParaRPr kumimoji="0" lang="es-ES" sz="1800" b="0" i="0" u="none" strike="noStrike" kern="1200" cap="none" spc="0" normalizeH="0" baseline="0">
               <a:ln>
                 <a:noFill/>
               </a:ln>
@@ -4931,7 +4939,7 @@
           <a:lstStyle/>
           <a:p>
             <a:r>
-              <a:rPr lang="es-ES" sz="4400" dirty="0">
+              <a:rPr lang="es-ES" sz="4400">
                 <a:solidFill>
                   <a:schemeClr val="tx1"/>
                 </a:solidFill>
@@ -4975,7 +4983,7 @@
               </a:lnSpc>
             </a:pPr>
             <a:r>
-              <a:rPr lang="es-ES" sz="1600" dirty="0"/>
+              <a:rPr lang="es-ES" sz="1600"/>
               <a:t>Balbin, julio</a:t>
             </a:r>
           </a:p>
@@ -4986,7 +4994,7 @@
               </a:lnSpc>
             </a:pPr>
             <a:r>
-              <a:rPr lang="es-ES" sz="1600" dirty="0"/>
+              <a:rPr lang="es-ES" sz="1600"/>
               <a:t>Becerra, Carlo</a:t>
             </a:r>
           </a:p>
@@ -5166,7 +5174,7 @@
           <a:p>
             <a:pPr algn="ctr"/>
             <a:r>
-              <a:rPr lang="en-US" dirty="0"/>
+              <a:rPr lang="en-US"/>
               <a:t>Tree of functions</a:t>
             </a:r>
           </a:p>
@@ -5262,7 +5270,7 @@
           <a:lstStyle/>
           <a:p>
             <a:r>
-              <a:rPr lang="es-PE" sz="7200" dirty="0"/>
+              <a:rPr lang="es-PE" sz="7200"/>
               <a:t>KN1D</a:t>
             </a:r>
           </a:p>
@@ -5291,7 +5299,7 @@
           </a:xfrm>
         </p:spPr>
         <p:txBody>
-          <a:bodyPr numCol="2">
+          <a:bodyPr vert="horz" lIns="0" tIns="45720" rIns="0" bIns="45720" numCol="2" rtlCol="0" anchor="t">
             <a:normAutofit lnSpcReduction="10000"/>
           </a:bodyPr>
           <a:lstStyle/>
@@ -5301,204 +5309,17 @@
               <a:buAutoNum type="arabicPeriod"/>
             </a:pPr>
             <a:r>
-              <a:rPr lang="es-PE" sz="2800" dirty="0">
+              <a:rPr lang="es-PE" sz="2800" err="1">
                 <a:solidFill>
                   <a:schemeClr val="bg2">
                     <a:lumMod val="25000"/>
                   </a:schemeClr>
                 </a:solidFill>
-                <a:latin typeface="Amasis MT Pro" panose="02040504050005020304" pitchFamily="18" charset="0"/>
+                <a:latin typeface="Amasis MT Pro"/>
               </a:rPr>
               <a:t>Kinetic_H</a:t>
             </a:r>
-          </a:p>
-          <a:p>
-            <a:pPr marL="514350" indent="-514350">
-              <a:buFont typeface="+mj-lt"/>
-              <a:buAutoNum type="arabicPeriod"/>
-            </a:pPr>
-            <a:r>
-              <a:rPr lang="es-PE" sz="2800" dirty="0">
-                <a:solidFill>
-                  <a:schemeClr val="bg2">
-                    <a:lumMod val="25000"/>
-                  </a:schemeClr>
-                </a:solidFill>
-                <a:latin typeface="Amasis MT Pro" panose="02040504050005020304" pitchFamily="18" charset="0"/>
-              </a:rPr>
-              <a:t>Kinetic_H2</a:t>
-            </a:r>
-          </a:p>
-          <a:p>
-            <a:pPr marL="514350" indent="-514350">
-              <a:buFont typeface="+mj-lt"/>
-              <a:buAutoNum type="arabicPeriod"/>
-            </a:pPr>
-            <a:r>
-              <a:rPr lang="es-PE" sz="2800" dirty="0">
-                <a:solidFill>
-                  <a:schemeClr val="bg2">
-                    <a:lumMod val="25000"/>
-                  </a:schemeClr>
-                </a:solidFill>
-                <a:latin typeface="Amasis MT Pro" panose="02040504050005020304" pitchFamily="18" charset="0"/>
-              </a:rPr>
-              <a:t>Create_Kinetic_H_mesh</a:t>
-            </a:r>
-          </a:p>
-          <a:p>
-            <a:pPr marL="514350" indent="-514350">
-              <a:buFont typeface="+mj-lt"/>
-              <a:buAutoNum type="arabicPeriod"/>
-            </a:pPr>
-            <a:r>
-              <a:rPr lang="es-PE" sz="2800" dirty="0">
-                <a:solidFill>
-                  <a:schemeClr val="bg2">
-                    <a:lumMod val="25000"/>
-                  </a:schemeClr>
-                </a:solidFill>
-                <a:latin typeface="Amasis MT Pro" panose="02040504050005020304" pitchFamily="18" charset="0"/>
-              </a:rPr>
-              <a:t>Create_Kinetic_H2_mesh</a:t>
-            </a:r>
-          </a:p>
-          <a:p>
-            <a:pPr marL="514350" indent="-514350">
-              <a:buFont typeface="+mj-lt"/>
-              <a:buAutoNum type="arabicPeriod"/>
-            </a:pPr>
-            <a:r>
-              <a:rPr lang="es-PE" sz="2800" dirty="0">
-                <a:solidFill>
-                  <a:schemeClr val="bg2">
-                    <a:lumMod val="25000"/>
-                  </a:schemeClr>
-                </a:solidFill>
-                <a:latin typeface="Amasis MT Pro" panose="02040504050005020304" pitchFamily="18" charset="0"/>
-              </a:rPr>
-              <a:t>Interp_fVrVxX</a:t>
-            </a:r>
-          </a:p>
-          <a:p>
-            <a:pPr marL="514350" indent="-514350">
-              <a:buFont typeface="+mj-lt"/>
-              <a:buAutoNum type="arabicPeriod"/>
-            </a:pPr>
-            <a:r>
-              <a:rPr lang="es-PE" sz="2800" dirty="0">
-                <a:solidFill>
-                  <a:schemeClr val="bg2">
-                    <a:lumMod val="25000"/>
-                  </a:schemeClr>
-                </a:solidFill>
-                <a:latin typeface="Amasis MT Pro" panose="02040504050005020304" pitchFamily="18" charset="0"/>
-              </a:rPr>
-              <a:t>Interp_Scalarx</a:t>
-            </a:r>
-          </a:p>
-          <a:p>
-            <a:pPr marL="514350" indent="-514350">
-              <a:buFont typeface="+mj-lt"/>
-              <a:buAutoNum type="arabicPeriod"/>
-            </a:pPr>
-            <a:r>
-              <a:rPr lang="es-PE" sz="2800" dirty="0">
-                <a:solidFill>
-                  <a:schemeClr val="bg2">
-                    <a:lumMod val="25000"/>
-                  </a:schemeClr>
-                </a:solidFill>
-                <a:latin typeface="Amasis MT Pro" panose="02040504050005020304" pitchFamily="18" charset="0"/>
-              </a:rPr>
-              <a:t>Lyman_Alpha</a:t>
-            </a:r>
-          </a:p>
-          <a:p>
-            <a:pPr marL="514350" indent="-514350">
-              <a:buFont typeface="+mj-lt"/>
-              <a:buAutoNum type="arabicPeriod"/>
-            </a:pPr>
-            <a:r>
-              <a:rPr lang="es-PE" sz="2800" dirty="0">
-                <a:solidFill>
-                  <a:schemeClr val="bg2">
-                    <a:lumMod val="25000"/>
-                  </a:schemeClr>
-                </a:solidFill>
-                <a:latin typeface="Amasis MT Pro" panose="02040504050005020304" pitchFamily="18" charset="0"/>
-              </a:rPr>
-              <a:t>Balmer_Alpha</a:t>
-            </a:r>
-          </a:p>
-          <a:p>
-            <a:pPr marL="514350" indent="-514350">
-              <a:buFont typeface="+mj-lt"/>
-              <a:buAutoNum type="arabicPeriod"/>
-            </a:pPr>
-            <a:r>
-              <a:rPr lang="es-PE" sz="2800" dirty="0">
-                <a:solidFill>
-                  <a:schemeClr val="bg2">
-                    <a:lumMod val="25000"/>
-                  </a:schemeClr>
-                </a:solidFill>
-                <a:latin typeface="Amasis MT Pro" panose="02040504050005020304" pitchFamily="18" charset="0"/>
-              </a:rPr>
-              <a:t>@KN1D.include</a:t>
-            </a:r>
-          </a:p>
-          <a:p>
-            <a:pPr marL="514350" indent="-514350">
-              <a:buFont typeface="+mj-lt"/>
-              <a:buAutoNum type="arabicPeriod"/>
-            </a:pPr>
-            <a:r>
-              <a:rPr lang="es-PE" sz="2800" dirty="0">
-                <a:solidFill>
-                  <a:schemeClr val="bg2">
-                    <a:lumMod val="25000"/>
-                  </a:schemeClr>
-                </a:solidFill>
-                <a:latin typeface="Amasis MT Pro" panose="02040504050005020304" pitchFamily="18" charset="0"/>
-              </a:rPr>
-              <a:t>@	KN1D_limiter.include	</a:t>
-            </a:r>
-          </a:p>
-          <a:p>
-            <a:pPr marL="514350" indent="-514350">
-              <a:buFont typeface="+mj-lt"/>
-              <a:buAutoNum type="arabicPeriod"/>
-            </a:pPr>
-            <a:r>
-              <a:rPr lang="es-PE" sz="2800" dirty="0">
-                <a:solidFill>
-                  <a:schemeClr val="bg2">
-                    <a:lumMod val="25000"/>
-                  </a:schemeClr>
-                </a:solidFill>
-                <a:latin typeface="Amasis MT Pro" panose="02040504050005020304" pitchFamily="18" charset="0"/>
-              </a:rPr>
-              <a:t>Create_shifted_Maxwellian</a:t>
-            </a:r>
-          </a:p>
-          <a:p>
-            <a:pPr marL="514350" indent="-514350">
-              <a:buFont typeface="+mj-lt"/>
-              <a:buAutoNum type="arabicPeriod"/>
-            </a:pPr>
-            <a:r>
-              <a:rPr lang="es-PE" sz="2800" dirty="0" err="1">
-                <a:solidFill>
-                  <a:schemeClr val="bg2">
-                    <a:lumMod val="25000"/>
-                  </a:schemeClr>
-                </a:solidFill>
-                <a:latin typeface="Amasis MT Pro" panose="02040504050005020304" pitchFamily="18" charset="0"/>
-              </a:rPr>
-              <a:t>Make_dVr_dVx</a:t>
-            </a:r>
-            <a:endParaRPr lang="es-PE" sz="2800" dirty="0">
+            <a:endParaRPr lang="es-PE" sz="2800" err="1">
               <a:solidFill>
                 <a:schemeClr val="bg2">
                   <a:lumMod val="25000"/>
@@ -5513,7 +5334,7 @@
               <a:buAutoNum type="arabicPeriod"/>
             </a:pPr>
             <a:r>
-              <a:rPr lang="es-PE" sz="2800" dirty="0">
+              <a:rPr lang="es-PE" sz="2800">
                 <a:solidFill>
                   <a:schemeClr val="bg2">
                     <a:lumMod val="25000"/>
@@ -5521,7 +5342,7 @@
                 </a:solidFill>
                 <a:latin typeface="Amasis MT Pro" panose="02040504050005020304" pitchFamily="18" charset="0"/>
               </a:rPr>
-              <a:t>press_return</a:t>
+              <a:t>Kinetic_H2</a:t>
             </a:r>
           </a:p>
           <a:p>
@@ -5530,7 +5351,202 @@
               <a:buAutoNum type="arabicPeriod"/>
             </a:pPr>
             <a:r>
-              <a:rPr lang="es-PE" sz="2800" dirty="0">
+              <a:rPr lang="es-PE" sz="2800">
+                <a:solidFill>
+                  <a:schemeClr val="bg2">
+                    <a:lumMod val="25000"/>
+                  </a:schemeClr>
+                </a:solidFill>
+                <a:latin typeface="Amasis MT Pro" panose="02040504050005020304" pitchFamily="18" charset="0"/>
+              </a:rPr>
+              <a:t>Create_Kinetic_H_mesh</a:t>
+            </a:r>
+          </a:p>
+          <a:p>
+            <a:pPr marL="514350" indent="-514350">
+              <a:buFont typeface="+mj-lt"/>
+              <a:buAutoNum type="arabicPeriod"/>
+            </a:pPr>
+            <a:r>
+              <a:rPr lang="es-PE" sz="2800">
+                <a:solidFill>
+                  <a:schemeClr val="bg2">
+                    <a:lumMod val="25000"/>
+                  </a:schemeClr>
+                </a:solidFill>
+                <a:latin typeface="Amasis MT Pro" panose="02040504050005020304" pitchFamily="18" charset="0"/>
+              </a:rPr>
+              <a:t>Create_Kinetic_H2_mesh</a:t>
+            </a:r>
+          </a:p>
+          <a:p>
+            <a:pPr marL="514350" indent="-514350">
+              <a:buFont typeface="+mj-lt"/>
+              <a:buAutoNum type="arabicPeriod"/>
+            </a:pPr>
+            <a:r>
+              <a:rPr lang="es-PE" sz="2800">
+                <a:solidFill>
+                  <a:schemeClr val="bg2">
+                    <a:lumMod val="25000"/>
+                  </a:schemeClr>
+                </a:solidFill>
+                <a:latin typeface="Amasis MT Pro" panose="02040504050005020304" pitchFamily="18" charset="0"/>
+              </a:rPr>
+              <a:t>Interp_fVrVxX</a:t>
+            </a:r>
+          </a:p>
+          <a:p>
+            <a:pPr marL="514350" indent="-514350">
+              <a:buFont typeface="+mj-lt"/>
+              <a:buAutoNum type="arabicPeriod"/>
+            </a:pPr>
+            <a:r>
+              <a:rPr lang="es-PE" sz="2800">
+                <a:solidFill>
+                  <a:schemeClr val="bg2">
+                    <a:lumMod val="25000"/>
+                  </a:schemeClr>
+                </a:solidFill>
+                <a:latin typeface="Amasis MT Pro" panose="02040504050005020304" pitchFamily="18" charset="0"/>
+              </a:rPr>
+              <a:t>Interp_Scalarx</a:t>
+            </a:r>
+          </a:p>
+          <a:p>
+            <a:pPr marL="514350" indent="-514350">
+              <a:buFont typeface="+mj-lt"/>
+              <a:buAutoNum type="arabicPeriod"/>
+            </a:pPr>
+            <a:r>
+              <a:rPr lang="es-PE" sz="2800">
+                <a:solidFill>
+                  <a:schemeClr val="bg2">
+                    <a:lumMod val="25000"/>
+                  </a:schemeClr>
+                </a:solidFill>
+                <a:latin typeface="Amasis MT Pro" panose="02040504050005020304" pitchFamily="18" charset="0"/>
+              </a:rPr>
+              <a:t>Lyman_Alpha</a:t>
+            </a:r>
+          </a:p>
+          <a:p>
+            <a:pPr marL="514350" indent="-514350">
+              <a:buFont typeface="+mj-lt"/>
+              <a:buAutoNum type="arabicPeriod"/>
+            </a:pPr>
+            <a:r>
+              <a:rPr lang="es-PE" sz="2800">
+                <a:solidFill>
+                  <a:schemeClr val="bg2">
+                    <a:lumMod val="25000"/>
+                  </a:schemeClr>
+                </a:solidFill>
+                <a:latin typeface="Amasis MT Pro" panose="02040504050005020304" pitchFamily="18" charset="0"/>
+              </a:rPr>
+              <a:t>Balmer_Alpha</a:t>
+            </a:r>
+          </a:p>
+          <a:p>
+            <a:pPr marL="514350" indent="-514350">
+              <a:buFont typeface="+mj-lt"/>
+              <a:buAutoNum type="arabicPeriod"/>
+            </a:pPr>
+            <a:r>
+              <a:rPr lang="es-PE" sz="2800">
+                <a:solidFill>
+                  <a:schemeClr val="bg2">
+                    <a:lumMod val="25000"/>
+                  </a:schemeClr>
+                </a:solidFill>
+                <a:latin typeface="Amasis MT Pro" panose="02040504050005020304" pitchFamily="18" charset="0"/>
+              </a:rPr>
+              <a:t>@KN1D.include</a:t>
+            </a:r>
+          </a:p>
+          <a:p>
+            <a:pPr marL="514350" indent="-514350">
+              <a:buFont typeface="+mj-lt"/>
+              <a:buAutoNum type="arabicPeriod"/>
+            </a:pPr>
+            <a:r>
+              <a:rPr lang="es-PE" sz="2800">
+                <a:solidFill>
+                  <a:schemeClr val="bg2">
+                    <a:lumMod val="25000"/>
+                  </a:schemeClr>
+                </a:solidFill>
+                <a:latin typeface="Amasis MT Pro" panose="02040504050005020304" pitchFamily="18" charset="0"/>
+              </a:rPr>
+              <a:t>@	KN1D_limiter.include	</a:t>
+            </a:r>
+          </a:p>
+          <a:p>
+            <a:pPr marL="514350" indent="-514350">
+              <a:buFont typeface="+mj-lt"/>
+              <a:buAutoNum type="arabicPeriod"/>
+            </a:pPr>
+            <a:r>
+              <a:rPr lang="es-PE" sz="2800">
+                <a:solidFill>
+                  <a:schemeClr val="bg2">
+                    <a:lumMod val="25000"/>
+                  </a:schemeClr>
+                </a:solidFill>
+                <a:latin typeface="Amasis MT Pro" panose="02040504050005020304" pitchFamily="18" charset="0"/>
+              </a:rPr>
+              <a:t>Create_shifted_Maxwellian</a:t>
+            </a:r>
+          </a:p>
+          <a:p>
+            <a:pPr marL="514350" indent="-514350">
+              <a:buFont typeface="+mj-lt"/>
+              <a:buAutoNum type="arabicPeriod"/>
+            </a:pPr>
+            <a:r>
+              <a:rPr lang="es-PE" sz="2800" err="1">
+                <a:solidFill>
+                  <a:schemeClr val="bg2">
+                    <a:lumMod val="25000"/>
+                  </a:schemeClr>
+                </a:solidFill>
+                <a:latin typeface="Amasis MT Pro" panose="02040504050005020304" pitchFamily="18" charset="0"/>
+              </a:rPr>
+              <a:t>Make_dVr_dVx</a:t>
+            </a:r>
+            <a:endParaRPr lang="es-PE" sz="2800">
+              <a:solidFill>
+                <a:schemeClr val="bg2">
+                  <a:lumMod val="25000"/>
+                </a:schemeClr>
+              </a:solidFill>
+              <a:latin typeface="Amasis MT Pro" panose="02040504050005020304" pitchFamily="18" charset="0"/>
+            </a:endParaRPr>
+          </a:p>
+          <a:p>
+            <a:pPr marL="514350" indent="-514350">
+              <a:buFont typeface="+mj-lt"/>
+              <a:buAutoNum type="arabicPeriod"/>
+            </a:pPr>
+            <a:r>
+              <a:rPr lang="es-PE" sz="2800">
+                <a:solidFill>
+                  <a:schemeClr val="bg2">
+                    <a:lumMod val="25000"/>
+                  </a:schemeClr>
+                </a:solidFill>
+                <a:latin typeface="Amasis MT Pro" panose="02040504050005020304" pitchFamily="18" charset="0"/>
+              </a:rPr>
+              <a:t>press_return</a:t>
+            </a:r>
+          </a:p>
+          <a:p>
+            <a:pPr marL="514350" indent="-514350">
+              <a:buFont typeface="+mj-lt"/>
+              <a:buAutoNum type="arabicPeriod"/>
+            </a:pPr>
+            <a:r>
+              <a:rPr lang="es-PE" sz="2800">
                 <a:solidFill>
                   <a:schemeClr val="bg2">
                     <a:lumMod val="25000"/>
@@ -5595,7 +5611,7 @@
           <a:lstStyle/>
           <a:p>
             <a:r>
-              <a:rPr lang="es-PE" dirty="0"/>
+              <a:rPr lang="es-PE"/>
               <a:t>Kinetic_H</a:t>
             </a:r>
           </a:p>
@@ -5634,7 +5650,7 @@
               <a:buAutoNum type="arabicPeriod"/>
             </a:pPr>
             <a:r>
-              <a:rPr lang="es-PE" sz="2000" dirty="0">
+              <a:rPr lang="es-PE" sz="2000">
                 <a:latin typeface="Amasis MT Pro" panose="02040504050005020304" pitchFamily="18" charset="0"/>
               </a:rPr>
               <a:t>sigmav_ion_h0</a:t>
@@ -5646,7 +5662,7 @@
               <a:buAutoNum type="arabicPeriod"/>
             </a:pPr>
             <a:r>
-              <a:rPr lang="es-PE" sz="2000" dirty="0">
+              <a:rPr lang="es-PE" sz="2000">
                 <a:latin typeface="Amasis MT Pro" panose="02040504050005020304" pitchFamily="18" charset="0"/>
               </a:rPr>
               <a:t>sigmav_cx_h0</a:t>
@@ -5658,12 +5674,12 @@
               <a:buAutoNum type="arabicPeriod"/>
             </a:pPr>
             <a:r>
-              <a:rPr lang="es-PE" sz="2000" dirty="0" err="1">
+              <a:rPr lang="es-PE" sz="2000" err="1">
                 <a:latin typeface="Amasis MT Pro" panose="02040504050005020304" pitchFamily="18" charset="0"/>
               </a:rPr>
               <a:t>JHS_Coef</a:t>
             </a:r>
-            <a:endParaRPr lang="es-PE" sz="2000" dirty="0">
+            <a:endParaRPr lang="es-PE" sz="2000">
               <a:latin typeface="Amasis MT Pro" panose="02040504050005020304" pitchFamily="18" charset="0"/>
             </a:endParaRPr>
           </a:p>
@@ -5673,12 +5689,12 @@
               <a:buAutoNum type="arabicPeriod"/>
             </a:pPr>
             <a:r>
-              <a:rPr lang="es-PE" sz="2000" dirty="0" err="1">
+              <a:rPr lang="es-PE" sz="2000" err="1">
                 <a:latin typeface="Amasis MT Pro" panose="02040504050005020304" pitchFamily="18" charset="0"/>
               </a:rPr>
               <a:t>JHAlpha_Coef</a:t>
             </a:r>
-            <a:endParaRPr lang="es-PE" sz="2000" dirty="0">
+            <a:endParaRPr lang="es-PE" sz="2000">
               <a:latin typeface="Amasis MT Pro" panose="02040504050005020304" pitchFamily="18" charset="0"/>
             </a:endParaRPr>
           </a:p>
@@ -5688,7 +5704,7 @@
               <a:buAutoNum type="arabicPeriod"/>
             </a:pPr>
             <a:r>
-              <a:rPr lang="es-PE" sz="2000" dirty="0">
+              <a:rPr lang="es-PE" sz="2000">
                 <a:latin typeface="Amasis MT Pro" panose="02040504050005020304" pitchFamily="18" charset="0"/>
               </a:rPr>
               <a:t>collrad_sigmav_ion_h0</a:t>
@@ -5700,7 +5716,7 @@
               <a:buAutoNum type="arabicPeriod"/>
             </a:pPr>
             <a:r>
-              <a:rPr lang="es-PE" sz="2000" dirty="0">
+              <a:rPr lang="es-PE" sz="2000">
                 <a:latin typeface="Amasis MT Pro" panose="02040504050005020304" pitchFamily="18" charset="0"/>
               </a:rPr>
               <a:t>sigmaV_rec_H1s</a:t>
@@ -5712,12 +5728,12 @@
               <a:buAutoNum type="arabicPeriod"/>
             </a:pPr>
             <a:r>
-              <a:rPr lang="es-PE" sz="2000" dirty="0" err="1">
+              <a:rPr lang="es-PE" sz="2000" err="1">
                 <a:latin typeface="Amasis MT Pro" panose="02040504050005020304" pitchFamily="18" charset="0"/>
               </a:rPr>
               <a:t>sigma_EL_H_H</a:t>
             </a:r>
-            <a:endParaRPr lang="es-PE" sz="2000" dirty="0">
+            <a:endParaRPr lang="es-PE" sz="2000">
               <a:latin typeface="Amasis MT Pro" panose="02040504050005020304" pitchFamily="18" charset="0"/>
             </a:endParaRPr>
           </a:p>
@@ -5727,12 +5743,12 @@
               <a:buAutoNum type="arabicPeriod"/>
             </a:pPr>
             <a:r>
-              <a:rPr lang="es-PE" sz="2000" dirty="0" err="1">
+              <a:rPr lang="es-PE" sz="2000" err="1">
                 <a:latin typeface="Amasis MT Pro" panose="02040504050005020304" pitchFamily="18" charset="0"/>
               </a:rPr>
               <a:t>sigma_EL_H_H</a:t>
             </a:r>
-            <a:endParaRPr lang="es-PE" sz="2000" dirty="0">
+            <a:endParaRPr lang="es-PE" sz="2000">
               <a:latin typeface="Amasis MT Pro" panose="02040504050005020304" pitchFamily="18" charset="0"/>
             </a:endParaRPr>
           </a:p>
@@ -5742,12 +5758,12 @@
               <a:buAutoNum type="arabicPeriod"/>
             </a:pPr>
             <a:r>
-              <a:rPr lang="es-PE" sz="2000" dirty="0" err="1">
+              <a:rPr lang="es-PE" sz="2000" err="1">
                 <a:latin typeface="Amasis MT Pro" panose="02040504050005020304" pitchFamily="18" charset="0"/>
               </a:rPr>
               <a:t>sigma_EL_P_H</a:t>
             </a:r>
-            <a:endParaRPr lang="es-PE" sz="2000" dirty="0">
+            <a:endParaRPr lang="es-PE" sz="2000">
               <a:latin typeface="Amasis MT Pro" panose="02040504050005020304" pitchFamily="18" charset="0"/>
             </a:endParaRPr>
           </a:p>
@@ -5757,7 +5773,7 @@
               <a:buAutoNum type="arabicPeriod"/>
             </a:pPr>
             <a:r>
-              <a:rPr lang="es-PE" sz="2000" dirty="0">
+              <a:rPr lang="es-PE" sz="2000">
                 <a:latin typeface="Amasis MT Pro" panose="02040504050005020304" pitchFamily="18" charset="0"/>
               </a:rPr>
               <a:t>sigma_cx_h0</a:t>
@@ -5769,12 +5785,12 @@
               <a:buAutoNum type="arabicPeriod"/>
             </a:pPr>
             <a:r>
-              <a:rPr lang="es-PE" sz="2000" dirty="0" err="1">
+              <a:rPr lang="es-PE" sz="2000" err="1">
                 <a:latin typeface="Amasis MT Pro" panose="02040504050005020304" pitchFamily="18" charset="0"/>
               </a:rPr>
               <a:t>sign</a:t>
             </a:r>
-            <a:endParaRPr lang="es-PE" sz="2000" dirty="0">
+            <a:endParaRPr lang="es-PE" sz="2000">
               <a:latin typeface="Amasis MT Pro" panose="02040504050005020304" pitchFamily="18" charset="0"/>
             </a:endParaRPr>
           </a:p>
@@ -5784,7 +5800,7 @@
               <a:buAutoNum type="arabicPeriod"/>
             </a:pPr>
             <a:r>
-              <a:rPr lang="es-PE" sz="2000" dirty="0">
+              <a:rPr lang="es-PE" sz="2000">
                 <a:latin typeface="Amasis MT Pro" panose="02040504050005020304" pitchFamily="18" charset="0"/>
               </a:rPr>
               <a:t>sval</a:t>
@@ -5796,7 +5812,7 @@
               <a:buAutoNum type="arabicPeriod"/>
             </a:pPr>
             <a:r>
-              <a:rPr lang="es-PE" sz="2000" dirty="0">
+              <a:rPr lang="es-PE" sz="2000">
                 <a:latin typeface="Amasis MT Pro" panose="02040504050005020304" pitchFamily="18" charset="0"/>
               </a:rPr>
               <a:t>locate</a:t>
@@ -5808,7 +5824,7 @@
               <a:buAutoNum type="arabicPeriod"/>
             </a:pPr>
             <a:r>
-              <a:rPr lang="es-PE" sz="2000" dirty="0">
+              <a:rPr lang="es-PE" sz="2000">
                 <a:latin typeface="Amasis MT Pro" panose="02040504050005020304" pitchFamily="18" charset="0"/>
               </a:rPr>
               <a:t>press_return</a:t>
@@ -5820,7 +5836,7 @@
               <a:buAutoNum type="arabicPeriod"/>
             </a:pPr>
             <a:r>
-              <a:rPr lang="es-PE" sz="2000" dirty="0">
+              <a:rPr lang="es-PE" sz="2000">
                 <a:latin typeface="Amasis MT Pro" panose="02040504050005020304" pitchFamily="18" charset="0"/>
               </a:rPr>
               <a:t>@create_shifted_maxwellian.include</a:t>
@@ -5832,12 +5848,12 @@
               <a:buAutoNum type="arabicPeriod"/>
             </a:pPr>
             <a:r>
-              <a:rPr lang="es-PE" sz="2000" dirty="0" err="1">
+              <a:rPr lang="es-PE" sz="2000" err="1">
                 <a:latin typeface="Amasis MT Pro" panose="02040504050005020304" pitchFamily="18" charset="0"/>
               </a:rPr>
               <a:t>Make_dVr_dVx</a:t>
             </a:r>
-            <a:endParaRPr lang="es-PE" sz="2000" dirty="0">
+            <a:endParaRPr lang="es-PE" sz="2000">
               <a:latin typeface="Amasis MT Pro" panose="02040504050005020304" pitchFamily="18" charset="0"/>
             </a:endParaRPr>
           </a:p>
@@ -5846,7 +5862,7 @@
               <a:buFont typeface="+mj-lt"/>
               <a:buAutoNum type="arabicPeriod"/>
             </a:pPr>
-            <a:endParaRPr lang="es-PE" sz="2000" dirty="0">
+            <a:endParaRPr lang="es-PE" sz="2000">
               <a:latin typeface="Amasis MT Pro" panose="02040504050005020304" pitchFamily="18" charset="0"/>
             </a:endParaRPr>
           </a:p>
@@ -5855,7 +5871,7 @@
               <a:buFont typeface="+mj-lt"/>
               <a:buAutoNum type="arabicPeriod"/>
             </a:pPr>
-            <a:endParaRPr lang="es-PE" sz="2000" dirty="0">
+            <a:endParaRPr lang="es-PE" sz="2000">
               <a:latin typeface="Amasis MT Pro" panose="02040504050005020304" pitchFamily="18" charset="0"/>
             </a:endParaRPr>
           </a:p>
@@ -5919,7 +5935,7 @@
           <a:lstStyle/>
           <a:p>
             <a:r>
-              <a:rPr lang="es-PE" dirty="0"/>
+              <a:rPr lang="es-PE"/>
               <a:t>Kinetic_H2</a:t>
             </a:r>
           </a:p>
@@ -5958,7 +5974,7 @@
               <a:buAutoNum type="arabicPeriod"/>
             </a:pPr>
             <a:r>
-              <a:rPr lang="es-PE" dirty="0">
+              <a:rPr lang="es-PE">
                 <a:latin typeface="Amasis MT Pro" panose="02040504050005020304" pitchFamily="18" charset="0"/>
               </a:rPr>
               <a:t>@create_shifted_Maxwellian</a:t>
@@ -5970,7 +5986,7 @@
               <a:buAutoNum type="arabicPeriod"/>
             </a:pPr>
             <a:r>
-              <a:rPr lang="es-PE" dirty="0">
+              <a:rPr lang="es-PE">
                 <a:latin typeface="Amasis MT Pro" panose="02040504050005020304" pitchFamily="18" charset="0"/>
               </a:rPr>
               <a:t>sigmav_cx_HH</a:t>
@@ -5982,7 +5998,7 @@
               <a:buAutoNum type="arabicPeriod"/>
             </a:pPr>
             <a:r>
-              <a:rPr lang="es-PE" dirty="0">
+              <a:rPr lang="es-PE">
                 <a:latin typeface="Amasis MT Pro" panose="02040504050005020304" pitchFamily="18" charset="0"/>
               </a:rPr>
               <a:t>sigmav_H1s_H2s_HH</a:t>
@@ -5994,7 +6010,7 @@
               <a:buAutoNum type="arabicPeriod"/>
             </a:pPr>
             <a:r>
-              <a:rPr lang="es-PE" dirty="0">
+              <a:rPr lang="es-PE">
                 <a:latin typeface="Amasis MT Pro" panose="02040504050005020304" pitchFamily="18" charset="0"/>
               </a:rPr>
               <a:t>sigmav_H1s_H1s_HH</a:t>
@@ -6006,7 +6022,7 @@
               <a:buAutoNum type="arabicPeriod"/>
             </a:pPr>
             <a:r>
-              <a:rPr lang="es-PE" dirty="0">
+              <a:rPr lang="es-PE">
                 <a:latin typeface="Amasis MT Pro" panose="02040504050005020304" pitchFamily="18" charset="0"/>
               </a:rPr>
               <a:t>sigmav_ion_HH</a:t>
@@ -6018,7 +6034,7 @@
               <a:buAutoNum type="arabicPeriod"/>
             </a:pPr>
             <a:r>
-              <a:rPr lang="es-PE" dirty="0">
+              <a:rPr lang="es-PE">
                 <a:latin typeface="Amasis MT Pro" panose="02040504050005020304" pitchFamily="18" charset="0"/>
               </a:rPr>
               <a:t>sigma_EL_H_HH</a:t>
@@ -6030,7 +6046,7 @@
               <a:buAutoNum type="arabicPeriod"/>
             </a:pPr>
             <a:r>
-              <a:rPr lang="es-PE" dirty="0">
+              <a:rPr lang="es-PE">
                 <a:latin typeface="Amasis MT Pro" panose="02040504050005020304" pitchFamily="18" charset="0"/>
               </a:rPr>
               <a:t>sigma_cx_hh</a:t>
@@ -6042,7 +6058,7 @@
               <a:buAutoNum type="arabicPeriod"/>
             </a:pPr>
             <a:r>
-              <a:rPr lang="es-PE" dirty="0">
+              <a:rPr lang="es-PE">
                 <a:latin typeface="Amasis MT Pro" panose="02040504050005020304" pitchFamily="18" charset="0"/>
               </a:rPr>
               <a:t>sigmav_H1s_Hn_HP</a:t>
@@ -6054,7 +6070,7 @@
               <a:buAutoNum type="arabicPeriod"/>
             </a:pPr>
             <a:r>
-              <a:rPr lang="es-PE" dirty="0">
+              <a:rPr lang="es-PE">
                 <a:latin typeface="Amasis MT Pro" panose="02040504050005020304" pitchFamily="18" charset="0"/>
               </a:rPr>
               <a:t>sigmav_P_P_HP</a:t>
@@ -6066,7 +6082,7 @@
               <a:buAutoNum type="arabicPeriod"/>
             </a:pPr>
             <a:r>
-              <a:rPr lang="es-PE" dirty="0">
+              <a:rPr lang="es-PE">
                 <a:latin typeface="Amasis MT Pro" panose="02040504050005020304" pitchFamily="18" charset="0"/>
               </a:rPr>
               <a:t>sigmav_p_Hn2_HP</a:t>
@@ -6078,7 +6094,7 @@
               <a:buAutoNum type="arabicPeriod"/>
             </a:pPr>
             <a:r>
-              <a:rPr lang="es-PE" dirty="0">
+              <a:rPr lang="es-PE">
                 <a:latin typeface="Amasis MT Pro" panose="02040504050005020304" pitchFamily="18" charset="0"/>
               </a:rPr>
               <a:t>sigmav_P_H1s_HP</a:t>
@@ -6090,7 +6106,7 @@
               <a:buAutoNum type="arabicPeriod"/>
             </a:pPr>
             <a:r>
-              <a:rPr lang="es-PE" dirty="0">
+              <a:rPr lang="es-PE">
                 <a:latin typeface="Amasis MT Pro" panose="02040504050005020304" pitchFamily="18" charset="0"/>
               </a:rPr>
               <a:t>sigmav_H1s_Hn3_HH</a:t>
@@ -6102,7 +6118,7 @@
               <a:buAutoNum type="arabicPeriod"/>
             </a:pPr>
             <a:r>
-              <a:rPr lang="es-PE" dirty="0">
+              <a:rPr lang="es-PE">
                 <a:latin typeface="Amasis MT Pro" panose="02040504050005020304" pitchFamily="18" charset="0"/>
               </a:rPr>
               <a:t>sigmav_H2p_H2s_HH</a:t>
@@ -6114,7 +6130,7 @@
               <a:buAutoNum type="arabicPeriod"/>
             </a:pPr>
             <a:r>
-              <a:rPr lang="es-PE" dirty="0">
+              <a:rPr lang="es-PE">
                 <a:latin typeface="Amasis MT Pro" panose="02040504050005020304" pitchFamily="18" charset="0"/>
               </a:rPr>
               <a:t>sigmav_P_H1s_HH</a:t>
@@ -6126,7 +6142,7 @@
               <a:buAutoNum type="arabicPeriod"/>
             </a:pPr>
             <a:r>
-              <a:rPr lang="es-PE" dirty="0">
+              <a:rPr lang="es-PE">
                 <a:latin typeface="Amasis MT Pro" panose="02040504050005020304" pitchFamily="18" charset="0"/>
               </a:rPr>
               <a:t>sigma_EL_HH_HH</a:t>
@@ -6138,7 +6154,7 @@
               <a:buAutoNum type="arabicPeriod"/>
             </a:pPr>
             <a:r>
-              <a:rPr lang="es-PE" dirty="0">
+              <a:rPr lang="es-PE">
                 <a:latin typeface="Amasis MT Pro" panose="02040504050005020304" pitchFamily="18" charset="0"/>
               </a:rPr>
               <a:t>sigma_EL_P_HH</a:t>
@@ -6150,7 +6166,7 @@
               <a:buAutoNum type="arabicPeriod"/>
             </a:pPr>
             <a:r>
-              <a:rPr lang="es-PE" dirty="0">
+              <a:rPr lang="es-PE">
                 <a:latin typeface="Amasis MT Pro" panose="02040504050005020304" pitchFamily="18" charset="0"/>
               </a:rPr>
               <a:t>Path_Interp_2D</a:t>
@@ -6162,7 +6178,7 @@
               <a:buAutoNum type="arabicPeriod"/>
             </a:pPr>
             <a:r>
-              <a:rPr lang="es-PE" dirty="0">
+              <a:rPr lang="es-PE">
                 <a:latin typeface="Amasis MT Pro" panose="02040504050005020304" pitchFamily="18" charset="0"/>
               </a:rPr>
               <a:t>sval</a:t>
@@ -6174,7 +6190,7 @@
               <a:buAutoNum type="arabicPeriod"/>
             </a:pPr>
             <a:r>
-              <a:rPr lang="es-PE" dirty="0">
+              <a:rPr lang="es-PE">
                 <a:latin typeface="Amasis MT Pro" panose="02040504050005020304" pitchFamily="18" charset="0"/>
               </a:rPr>
               <a:t>press_return</a:t>
@@ -6250,7 +6266,7 @@
           <a:lstStyle/>
           <a:p>
             <a:r>
-              <a:rPr lang="es-PE" sz="3600" dirty="0">
+              <a:rPr lang="es-PE" sz="3600">
                 <a:solidFill>
                   <a:schemeClr val="bg2">
                     <a:lumMod val="25000"/>
@@ -6260,7 +6276,7 @@
               </a:rPr>
               <a:t>Create_Kinetic_H_mesh</a:t>
             </a:r>
-            <a:endParaRPr lang="es-PE" sz="3600" dirty="0"/>
+            <a:endParaRPr lang="es-PE" sz="3600"/>
           </a:p>
         </p:txBody>
       </p:sp>
@@ -6297,12 +6313,12 @@
               <a:buAutoNum type="arabicPeriod"/>
             </a:pPr>
             <a:r>
-              <a:rPr lang="es-PE" sz="2800" dirty="0" err="1">
+              <a:rPr lang="es-PE" sz="2800" err="1">
                 <a:latin typeface="Amasis MT Pro" panose="02040504050005020304" pitchFamily="18" charset="0"/>
               </a:rPr>
               <a:t>create_vrvxmesh</a:t>
             </a:r>
-            <a:endParaRPr lang="es-PE" sz="2800" dirty="0">
+            <a:endParaRPr lang="es-PE" sz="2800">
               <a:latin typeface="Amasis MT Pro" panose="02040504050005020304" pitchFamily="18" charset="0"/>
             </a:endParaRPr>
           </a:p>
@@ -6312,7 +6328,7 @@
               <a:buAutoNum type="arabicPeriod"/>
             </a:pPr>
             <a:r>
-              <a:rPr lang="es-PE" sz="2800" dirty="0">
+              <a:rPr lang="es-PE" sz="2800">
                 <a:latin typeface="Amasis MT Pro" panose="02040504050005020304" pitchFamily="18" charset="0"/>
               </a:rPr>
               <a:t>sigmav_ion_h0</a:t>
@@ -6324,7 +6340,7 @@
               <a:buAutoNum type="arabicPeriod"/>
             </a:pPr>
             <a:r>
-              <a:rPr lang="es-PE" sz="2800" dirty="0">
+              <a:rPr lang="es-PE" sz="2800">
                 <a:latin typeface="Amasis MT Pro" panose="02040504050005020304" pitchFamily="18" charset="0"/>
               </a:rPr>
               <a:t>sigmav_cx_h0</a:t>
@@ -6336,12 +6352,12 @@
               <a:buAutoNum type="arabicPeriod"/>
             </a:pPr>
             <a:r>
-              <a:rPr lang="es-PE" sz="2800" dirty="0" err="1">
+              <a:rPr lang="es-PE" sz="2800" err="1">
                 <a:latin typeface="Amasis MT Pro" panose="02040504050005020304" pitchFamily="18" charset="0"/>
               </a:rPr>
               <a:t>JHS_Coef</a:t>
             </a:r>
-            <a:endParaRPr lang="es-PE" sz="2800" dirty="0">
+            <a:endParaRPr lang="es-PE" sz="2800">
               <a:latin typeface="Amasis MT Pro" panose="02040504050005020304" pitchFamily="18" charset="0"/>
             </a:endParaRPr>
           </a:p>
@@ -6351,7 +6367,7 @@
               <a:buAutoNum type="arabicPeriod"/>
             </a:pPr>
             <a:r>
-              <a:rPr lang="es-PE" sz="2800" dirty="0">
+              <a:rPr lang="es-PE" sz="2800">
                 <a:latin typeface="Amasis MT Pro" panose="02040504050005020304" pitchFamily="18" charset="0"/>
               </a:rPr>
               <a:t>collrad_sigmav_ion_h0</a:t>
@@ -6413,7 +6429,7 @@
           </a:lstStyle>
           <a:p>
             <a:r>
-              <a:rPr lang="es-PE" sz="3600" dirty="0">
+              <a:rPr lang="es-PE" sz="3600">
                 <a:solidFill>
                   <a:schemeClr val="bg2">
                     <a:lumMod val="25000"/>
@@ -6423,7 +6439,7 @@
               </a:rPr>
               <a:t>Create_Kinetic_H2_mesh</a:t>
             </a:r>
-            <a:endParaRPr lang="es-PE" sz="3600" dirty="0"/>
+            <a:endParaRPr lang="es-PE" sz="3600"/>
           </a:p>
         </p:txBody>
       </p:sp>
@@ -6698,12 +6714,12 @@
               <a:buAutoNum type="arabicPeriod"/>
             </a:pPr>
             <a:r>
-              <a:rPr lang="es-PE" sz="2800" dirty="0" err="1">
+              <a:rPr lang="es-PE" sz="2800" err="1">
                 <a:latin typeface="Amasis MT Pro" panose="02040504050005020304" pitchFamily="18" charset="0"/>
               </a:rPr>
               <a:t>create_vrvxmesh</a:t>
             </a:r>
-            <a:endParaRPr lang="es-PE" sz="2800" dirty="0">
+            <a:endParaRPr lang="es-PE" sz="2800">
               <a:latin typeface="Amasis MT Pro" panose="02040504050005020304" pitchFamily="18" charset="0"/>
             </a:endParaRPr>
           </a:p>
@@ -6713,7 +6729,7 @@
               <a:buAutoNum type="arabicPeriod"/>
             </a:pPr>
             <a:r>
-              <a:rPr lang="es-PE" sz="2800" dirty="0">
+              <a:rPr lang="es-PE" sz="2800">
                 <a:latin typeface="Amasis MT Pro" panose="02040504050005020304" pitchFamily="18" charset="0"/>
               </a:rPr>
               <a:t>sigmav_ion_HH</a:t>
@@ -6725,7 +6741,7 @@
               <a:buAutoNum type="arabicPeriod"/>
             </a:pPr>
             <a:r>
-              <a:rPr lang="es-PE" sz="2800" dirty="0">
+              <a:rPr lang="es-PE" sz="2800">
                 <a:latin typeface="Amasis MT Pro" panose="02040504050005020304" pitchFamily="18" charset="0"/>
               </a:rPr>
               <a:t>sigmav_H1s_H1s_HH</a:t>
@@ -6737,7 +6753,7 @@
               <a:buAutoNum type="arabicPeriod"/>
             </a:pPr>
             <a:r>
-              <a:rPr lang="es-PE" sz="2800" dirty="0">
+              <a:rPr lang="es-PE" sz="2800">
                 <a:latin typeface="Amasis MT Pro" panose="02040504050005020304" pitchFamily="18" charset="0"/>
               </a:rPr>
               <a:t>sigmav_H1s_H2s_HH</a:t>
@@ -6749,7 +6765,7 @@
               <a:buAutoNum type="arabicPeriod"/>
             </a:pPr>
             <a:r>
-              <a:rPr lang="es-PE" sz="2800" dirty="0">
+              <a:rPr lang="es-PE" sz="2800">
                 <a:latin typeface="Amasis MT Pro" panose="02040504050005020304" pitchFamily="18" charset="0"/>
               </a:rPr>
               <a:t>sigmav_cx_HH</a:t>
@@ -6887,7 +6903,7 @@
           </a:lstStyle>
           <a:p>
             <a:r>
-              <a:rPr lang="es-PE" sz="3600" dirty="0">
+              <a:rPr lang="es-PE" sz="3600">
                 <a:solidFill>
                   <a:schemeClr val="bg2">
                     <a:lumMod val="25000"/>
@@ -7171,7 +7187,7 @@
               <a:buAutoNum type="arabicPeriod"/>
             </a:pPr>
             <a:r>
-              <a:rPr lang="es-PE" sz="2800" dirty="0" err="1">
+              <a:rPr lang="es-PE" sz="2800" err="1">
                 <a:solidFill>
                   <a:schemeClr val="bg2">
                     <a:lumMod val="25000"/>
@@ -7181,7 +7197,7 @@
               </a:rPr>
               <a:t>Make_dVr_dVx</a:t>
             </a:r>
-            <a:endParaRPr lang="es-PE" sz="2800" dirty="0">
+            <a:endParaRPr lang="es-PE" sz="2800">
               <a:solidFill>
                 <a:schemeClr val="bg2">
                   <a:lumMod val="25000"/>
@@ -7196,7 +7212,7 @@
               <a:buAutoNum type="arabicPeriod"/>
             </a:pPr>
             <a:r>
-              <a:rPr lang="es-PE" sz="2800" dirty="0">
+              <a:rPr lang="es-PE" sz="2800">
                 <a:latin typeface="Amasis MT Pro" panose="02040504050005020304" pitchFamily="18" charset="0"/>
               </a:rPr>
               <a:t>press_return</a:t>
@@ -7208,7 +7224,7 @@
               <a:buAutoNum type="arabicPeriod"/>
             </a:pPr>
             <a:r>
-              <a:rPr lang="es-PE" sz="2800" dirty="0">
+              <a:rPr lang="es-PE" sz="2800">
                 <a:latin typeface="Amasis MT Pro" panose="02040504050005020304" pitchFamily="18" charset="0"/>
               </a:rPr>
               <a:t>locate</a:t>
@@ -7487,7 +7503,7 @@
               <a:buAutoNum type="arabicPeriod"/>
             </a:pPr>
             <a:r>
-              <a:rPr lang="es-PE" sz="2800" dirty="0">
+              <a:rPr lang="es-PE" sz="2800">
                 <a:latin typeface="Amasis MT Pro" panose="02040504050005020304" pitchFamily="18" charset="0"/>
               </a:rPr>
               <a:t>interpol</a:t>
@@ -7549,7 +7565,7 @@
           </a:lstStyle>
           <a:p>
             <a:r>
-              <a:rPr lang="es-PE" sz="3600" dirty="0">
+              <a:rPr lang="es-PE" sz="3600">
                 <a:solidFill>
                   <a:schemeClr val="bg2">
                     <a:lumMod val="25000"/>
@@ -7616,7 +7632,7 @@
           </a:lstStyle>
           <a:p>
             <a:r>
-              <a:rPr lang="es-PE" sz="3600" dirty="0">
+              <a:rPr lang="es-PE" sz="3600">
                 <a:solidFill>
                   <a:schemeClr val="bg2">
                     <a:lumMod val="25000"/>
@@ -7900,7 +7916,7 @@
               <a:buAutoNum type="arabicPeriod"/>
             </a:pPr>
             <a:r>
-              <a:rPr lang="es-PE" sz="2800" dirty="0" err="1">
+              <a:rPr lang="es-PE" sz="2800" err="1">
                 <a:solidFill>
                   <a:schemeClr val="bg2">
                     <a:lumMod val="25000"/>
@@ -7910,7 +7926,7 @@
               </a:rPr>
               <a:t>JHR_Coef</a:t>
             </a:r>
-            <a:endParaRPr lang="es-PE" sz="2800" dirty="0">
+            <a:endParaRPr lang="es-PE" sz="2800">
               <a:solidFill>
                 <a:schemeClr val="bg2">
                   <a:lumMod val="25000"/>
@@ -7925,7 +7941,7 @@
               <a:buAutoNum type="arabicPeriod"/>
             </a:pPr>
             <a:r>
-              <a:rPr lang="es-PE" sz="2800" dirty="0" err="1">
+              <a:rPr lang="es-PE" sz="2800" err="1">
                 <a:solidFill>
                   <a:schemeClr val="bg2">
                     <a:lumMod val="25000"/>
@@ -7935,7 +7951,7 @@
               </a:rPr>
               <a:t>NHSaha</a:t>
             </a:r>
-            <a:endParaRPr lang="es-PE" sz="2800" dirty="0">
+            <a:endParaRPr lang="es-PE" sz="2800">
               <a:latin typeface="Amasis MT Pro" panose="02040504050005020304" pitchFamily="18" charset="0"/>
             </a:endParaRPr>
           </a:p>
@@ -8212,7 +8228,7 @@
               <a:buAutoNum type="arabicPeriod"/>
             </a:pPr>
             <a:r>
-              <a:rPr lang="es-PE" sz="2800" dirty="0" err="1">
+              <a:rPr lang="es-PE" sz="2800" err="1">
                 <a:solidFill>
                   <a:schemeClr val="bg2">
                     <a:lumMod val="25000"/>
@@ -8222,7 +8238,7 @@
               </a:rPr>
               <a:t>JHR_Coef</a:t>
             </a:r>
-            <a:endParaRPr lang="es-PE" sz="2800" dirty="0">
+            <a:endParaRPr lang="es-PE" sz="2800">
               <a:solidFill>
                 <a:schemeClr val="bg2">
                   <a:lumMod val="25000"/>
@@ -8237,7 +8253,7 @@
               <a:buAutoNum type="arabicPeriod"/>
             </a:pPr>
             <a:r>
-              <a:rPr lang="es-PE" sz="2800" dirty="0" err="1">
+              <a:rPr lang="es-PE" sz="2800" err="1">
                 <a:solidFill>
                   <a:schemeClr val="bg2">
                     <a:lumMod val="25000"/>
@@ -8247,7 +8263,7 @@
               </a:rPr>
               <a:t>NHSaha</a:t>
             </a:r>
-            <a:endParaRPr lang="es-PE" sz="2800" dirty="0">
+            <a:endParaRPr lang="es-PE" sz="2800">
               <a:latin typeface="Amasis MT Pro" panose="02040504050005020304" pitchFamily="18" charset="0"/>
             </a:endParaRPr>
           </a:p>
@@ -8307,7 +8323,7 @@
           </a:lstStyle>
           <a:p>
             <a:r>
-              <a:rPr lang="es-PE" sz="3600" dirty="0">
+              <a:rPr lang="es-PE" sz="3600">
                 <a:solidFill>
                   <a:schemeClr val="bg2">
                     <a:lumMod val="25000"/>
@@ -8506,7 +8522,7 @@
           <a:lstStyle/>
           <a:p>
             <a:r>
-              <a:rPr lang="es-PE" sz="3600" dirty="0">
+              <a:rPr lang="es-PE" sz="3600">
                 <a:solidFill>
                   <a:schemeClr val="bg2">
                     <a:lumMod val="25000"/>
@@ -8516,7 +8532,7 @@
               </a:rPr>
               <a:t>@KN1D.include</a:t>
             </a:r>
-            <a:endParaRPr lang="es-PE" sz="3600" dirty="0"/>
+            <a:endParaRPr lang="es-PE" sz="3600"/>
           </a:p>
         </p:txBody>
       </p:sp>
@@ -8553,7 +8569,7 @@
               <a:buAutoNum type="arabicPeriod"/>
             </a:pPr>
             <a:r>
-              <a:rPr lang="es-PE" sz="2800" dirty="0">
+              <a:rPr lang="es-PE" sz="2800">
                 <a:latin typeface="Amasis MT Pro" panose="02040504050005020304" pitchFamily="18" charset="0"/>
               </a:rPr>
               <a:t>locate</a:t>
@@ -8565,7 +8581,7 @@
               <a:buAutoNum type="arabicPeriod"/>
             </a:pPr>
             <a:r>
-              <a:rPr lang="es-PE" sz="2800" dirty="0">
+              <a:rPr lang="es-PE" sz="2800">
                 <a:latin typeface="Amasis MT Pro" panose="02040504050005020304" pitchFamily="18" charset="0"/>
               </a:rPr>
               <a:t>normal2data</a:t>
@@ -8575,7 +8591,7 @@
             <a:pPr marL="0" indent="0">
               <a:buNone/>
             </a:pPr>
-            <a:endParaRPr lang="es-PE" sz="2800" dirty="0">
+            <a:endParaRPr lang="es-PE" sz="2800">
               <a:latin typeface="Amasis MT Pro" panose="02040504050005020304" pitchFamily="18" charset="0"/>
             </a:endParaRPr>
           </a:p>
@@ -8852,7 +8868,7 @@
               <a:buAutoNum type="arabicPeriod"/>
             </a:pPr>
             <a:r>
-              <a:rPr lang="es-PE" sz="2800" dirty="0">
+              <a:rPr lang="es-PE" sz="2800">
                 <a:latin typeface="Amasis MT Pro" panose="02040504050005020304" pitchFamily="18" charset="0"/>
               </a:rPr>
               <a:t>data2normal</a:t>
@@ -8914,7 +8930,7 @@
           </a:lstStyle>
           <a:p>
             <a:r>
-              <a:rPr lang="es-PE" sz="3600" dirty="0">
+              <a:rPr lang="es-PE" sz="3600">
                 <a:solidFill>
                   <a:schemeClr val="bg2">
                     <a:lumMod val="25000"/>
@@ -8924,7 +8940,7 @@
               </a:rPr>
               <a:t>@KN1D_limiter.include</a:t>
             </a:r>
-            <a:endParaRPr lang="es-PE" sz="3600" dirty="0"/>
+            <a:endParaRPr lang="es-PE" sz="3600"/>
           </a:p>
         </p:txBody>
       </p:sp>
@@ -8982,7 +8998,7 @@
           </a:lstStyle>
           <a:p>
             <a:r>
-              <a:rPr lang="es-PE" sz="3600" dirty="0">
+              <a:rPr lang="es-PE" sz="3600">
                 <a:solidFill>
                   <a:schemeClr val="bg2">
                     <a:lumMod val="25000"/>
@@ -8992,7 +9008,7 @@
               </a:rPr>
               <a:t>Create_shifted_Maxwellian </a:t>
             </a:r>
-            <a:endParaRPr lang="es-PE" sz="3600" dirty="0"/>
+            <a:endParaRPr lang="es-PE" sz="3600"/>
           </a:p>
         </p:txBody>
       </p:sp>
@@ -9267,7 +9283,7 @@
               <a:buAutoNum type="arabicPeriod"/>
             </a:pPr>
             <a:r>
-              <a:rPr lang="es-PE" sz="2800" dirty="0">
+              <a:rPr lang="es-PE" sz="2800">
                 <a:latin typeface="Amasis MT Pro" panose="02040504050005020304" pitchFamily="18" charset="0"/>
               </a:rPr>
               <a:t>@create_shifted_maxwellian.include</a:t>
@@ -9279,12 +9295,12 @@
               <a:buAutoNum type="arabicPeriod"/>
             </a:pPr>
             <a:r>
-              <a:rPr lang="es-PE" sz="2800" dirty="0" err="1">
+              <a:rPr lang="es-PE" sz="2800" err="1">
                 <a:latin typeface="Amasis MT Pro" panose="02040504050005020304" pitchFamily="18" charset="0"/>
               </a:rPr>
               <a:t>Make_dVr_dVx</a:t>
             </a:r>
-            <a:endParaRPr lang="es-PE" sz="2800" dirty="0">
+            <a:endParaRPr lang="es-PE" sz="2800">
               <a:latin typeface="Amasis MT Pro" panose="02040504050005020304" pitchFamily="18" charset="0"/>
             </a:endParaRPr>
           </a:p>
@@ -9344,7 +9360,7 @@
           </a:lstStyle>
           <a:p>
             <a:r>
-              <a:rPr lang="es-PE" sz="3600" dirty="0" err="1">
+              <a:rPr lang="es-PE" sz="3600" err="1">
                 <a:solidFill>
                   <a:schemeClr val="bg2">
                     <a:lumMod val="25000"/>
@@ -9354,7 +9370,7 @@
               </a:rPr>
               <a:t>Make_dVr_dVx</a:t>
             </a:r>
-            <a:endParaRPr lang="es-PE" sz="3600" dirty="0">
+            <a:endParaRPr lang="es-PE" sz="3600">
               <a:solidFill>
                 <a:schemeClr val="bg2">
                   <a:lumMod val="25000"/>
@@ -9365,7 +9381,7 @@
           </a:p>
           <a:p>
             <a:r>
-              <a:rPr lang="es-PE" sz="3600" dirty="0">
+              <a:rPr lang="es-PE" sz="3600">
                 <a:solidFill>
                   <a:schemeClr val="bg2">
                     <a:lumMod val="25000"/>
@@ -9375,7 +9391,7 @@
               </a:rPr>
               <a:t> </a:t>
             </a:r>
-            <a:endParaRPr lang="es-PE" sz="3600" dirty="0"/>
+            <a:endParaRPr lang="es-PE" sz="3600"/>
           </a:p>
         </p:txBody>
       </p:sp>
@@ -10531,6 +10547,15 @@
 </file>
 
 <file path=customXml/item1.xml><?xml version="1.0" encoding="utf-8"?>
+<?mso-contentType ?>
+<FormTemplates xmlns="http://schemas.microsoft.com/sharepoint/v3/contenttype/forms">
+  <Display>DocumentLibraryForm</Display>
+  <Edit>DocumentLibraryForm</Edit>
+  <New>DocumentLibraryForm</New>
+</FormTemplates>
+</file>
+
+<file path=customXml/item2.xml><?xml version="1.0" encoding="utf-8"?>
 <p:properties xmlns:p="http://schemas.microsoft.com/office/2006/metadata/properties" xmlns:xsi="http://www.w3.org/2001/XMLSchema-instance" xmlns:pc="http://schemas.microsoft.com/office/infopath/2007/PartnerControls">
   <documentManagement>
     <Status xmlns="71af3243-3dd4-4a8d-8c0d-dd76da1f02a5">Not started</Status>
@@ -10539,7 +10564,7 @@
 </p:properties>
 </file>
 
-<file path=customXml/item2.xml><?xml version="1.0" encoding="utf-8"?>
+<file path=customXml/item3.xml><?xml version="1.0" encoding="utf-8"?>
 <ct:contentTypeSchema xmlns:ct="http://schemas.microsoft.com/office/2006/metadata/contentType" xmlns:ma="http://schemas.microsoft.com/office/2006/metadata/properties/metaAttributes" ct:_="" ma:_="" ma:contentTypeName="Document" ma:contentTypeID="0x01010079F111ED35F8CC479449609E8A0923A6" ma:contentTypeVersion="12" ma:contentTypeDescription="Create a new document." ma:contentTypeScope="" ma:versionID="a410dd7f93c95333ffa1b60ed6adedd1">
   <xsd:schema xmlns:xsd="http://www.w3.org/2001/XMLSchema" xmlns:xs="http://www.w3.org/2001/XMLSchema" xmlns:p="http://schemas.microsoft.com/office/2006/metadata/properties" xmlns:ns2="71af3243-3dd4-4a8d-8c0d-dd76da1f02a5" xmlns:ns3="16c05727-aa75-4e4a-9b5f-8a80a1165891" targetNamespace="http://schemas.microsoft.com/office/2006/metadata/properties" ma:root="true" ma:fieldsID="a936d9baba76aa3866493feff160faab" ns2:_="" ns3:_="">
     <xsd:import namespace="71af3243-3dd4-4a8d-8c0d-dd76da1f02a5"/>
@@ -10760,48 +10785,39 @@
 </ct:contentTypeSchema>
 </file>
 
-<file path=customXml/item3.xml><?xml version="1.0" encoding="utf-8"?>
-<?mso-contentType ?>
-<FormTemplates xmlns="http://schemas.microsoft.com/sharepoint/v3/contenttype/forms">
-  <Display>DocumentLibraryForm</Display>
-  <Edit>DocumentLibraryForm</Edit>
-  <New>DocumentLibraryForm</New>
-</FormTemplates>
-</file>
-
 <file path=customXml/itemProps1.xml><?xml version="1.0" encoding="utf-8"?>
-<ds:datastoreItem xmlns:ds="http://schemas.openxmlformats.org/officeDocument/2006/customXml" ds:itemID="{A03EEFF0-FB57-4CB4-8BFC-DF397689E2ED}">
+<ds:datastoreItem xmlns:ds="http://schemas.openxmlformats.org/officeDocument/2006/customXml" ds:itemID="{AA3F7EDC-E5B4-4BBC-9D2A-CBE6D46C37AD}">
   <ds:schemaRefs>
-    <ds:schemaRef ds:uri="http://schemas.microsoft.com/office/2006/metadata/properties"/>
-    <ds:schemaRef ds:uri="http://schemas.microsoft.com/office/infopath/2007/PartnerControls"/>
-    <ds:schemaRef ds:uri="71af3243-3dd4-4a8d-8c0d-dd76da1f02a5"/>
+    <ds:schemaRef ds:uri="http://schemas.microsoft.com/sharepoint/v3/contenttype/forms"/>
   </ds:schemaRefs>
 </ds:datastoreItem>
 </file>
 
 <file path=customXml/itemProps2.xml><?xml version="1.0" encoding="utf-8"?>
-<ds:datastoreItem xmlns:ds="http://schemas.openxmlformats.org/officeDocument/2006/customXml" ds:itemID="{93932EF5-314F-409E-8020-FEE5FA0795B9}">
+<ds:datastoreItem xmlns:ds="http://schemas.openxmlformats.org/officeDocument/2006/customXml" ds:itemID="{A03EEFF0-FB57-4CB4-8BFC-DF397689E2ED}">
   <ds:schemaRefs>
-    <ds:schemaRef ds:uri="http://schemas.microsoft.com/office/2006/metadata/contentType"/>
-    <ds:schemaRef ds:uri="http://schemas.microsoft.com/office/2006/metadata/properties/metaAttributes"/>
-    <ds:schemaRef ds:uri="http://www.w3.org/2001/XMLSchema"/>
+    <ds:schemaRef ds:uri="71af3243-3dd4-4a8d-8c0d-dd76da1f02a5"/>
     <ds:schemaRef ds:uri="http://schemas.microsoft.com/office/2006/metadata/properties"/>
-    <ds:schemaRef ds:uri="71af3243-3dd4-4a8d-8c0d-dd76da1f02a5"/>
-    <ds:schemaRef ds:uri="16c05727-aa75-4e4a-9b5f-8a80a1165891"/>
-    <ds:schemaRef ds:uri="http://schemas.microsoft.com/office/2006/documentManagement/types"/>
     <ds:schemaRef ds:uri="http://schemas.microsoft.com/office/infopath/2007/PartnerControls"/>
-    <ds:schemaRef ds:uri="http://schemas.openxmlformats.org/package/2006/metadata/core-properties"/>
-    <ds:schemaRef ds:uri="http://purl.org/dc/elements/1.1/"/>
-    <ds:schemaRef ds:uri="http://purl.org/dc/terms/"/>
-    <ds:schemaRef ds:uri="http://schemas.microsoft.com/internal/obd"/>
   </ds:schemaRefs>
 </ds:datastoreItem>
 </file>
 
 <file path=customXml/itemProps3.xml><?xml version="1.0" encoding="utf-8"?>
-<ds:datastoreItem xmlns:ds="http://schemas.openxmlformats.org/officeDocument/2006/customXml" ds:itemID="{AA3F7EDC-E5B4-4BBC-9D2A-CBE6D46C37AD}">
+<ds:datastoreItem xmlns:ds="http://schemas.openxmlformats.org/officeDocument/2006/customXml" ds:itemID="{93932EF5-314F-409E-8020-FEE5FA0795B9}">
   <ds:schemaRefs>
-    <ds:schemaRef ds:uri="http://schemas.microsoft.com/sharepoint/v3/contenttype/forms"/>
+    <ds:schemaRef ds:uri="16c05727-aa75-4e4a-9b5f-8a80a1165891"/>
+    <ds:schemaRef ds:uri="71af3243-3dd4-4a8d-8c0d-dd76da1f02a5"/>
+    <ds:schemaRef ds:uri="http://purl.org/dc/elements/1.1/"/>
+    <ds:schemaRef ds:uri="http://purl.org/dc/terms/"/>
+    <ds:schemaRef ds:uri="http://schemas.microsoft.com/internal/obd"/>
+    <ds:schemaRef ds:uri="http://schemas.microsoft.com/office/2006/documentManagement/types"/>
+    <ds:schemaRef ds:uri="http://schemas.microsoft.com/office/2006/metadata/contentType"/>
+    <ds:schemaRef ds:uri="http://schemas.microsoft.com/office/2006/metadata/properties"/>
+    <ds:schemaRef ds:uri="http://schemas.microsoft.com/office/2006/metadata/properties/metaAttributes"/>
+    <ds:schemaRef ds:uri="http://schemas.microsoft.com/office/infopath/2007/PartnerControls"/>
+    <ds:schemaRef ds:uri="http://schemas.openxmlformats.org/package/2006/metadata/core-properties"/>
+    <ds:schemaRef ds:uri="http://www.w3.org/2001/XMLSchema"/>
   </ds:schemaRefs>
 </ds:datastoreItem>
 </file>